--- a/Konzeptpapier/Konzept_DAIS.pptx
+++ b/Konzeptpapier/Konzept_DAIS.pptx
@@ -5,11 +5,13 @@
     <p:sldMasterId id="2147483648" r:id="rId1"/>
   </p:sldMasterIdLst>
   <p:notesMasterIdLst>
-    <p:notesMasterId r:id="rId4"/>
+    <p:notesMasterId r:id="rId6"/>
   </p:notesMasterIdLst>
   <p:sldIdLst>
     <p:sldId id="264" r:id="rId2"/>
     <p:sldId id="265" r:id="rId3"/>
+    <p:sldId id="266" r:id="rId4"/>
+    <p:sldId id="267" r:id="rId5"/>
   </p:sldIdLst>
   <p:sldSz cx="9144000" cy="6858000" type="screen4x3"/>
   <p:notesSz cx="6858000" cy="9144000"/>
@@ -2760,10 +2762,10 @@
       </p:grpSpPr>
       <p:sp>
         <p:nvSpPr>
-          <p:cNvPr id="2" name="Titel 1">
+          <p:cNvPr id="5" name="Titel 4">
             <a:extLst>
               <a:ext uri="{FF2B5EF4-FFF2-40B4-BE49-F238E27FC236}">
-                <a16:creationId xmlns:a16="http://schemas.microsoft.com/office/drawing/2014/main" id="{6F6FD47F-C27F-413C-BF1A-E3AFCD2F5C16}"/>
+                <a16:creationId xmlns:a16="http://schemas.microsoft.com/office/drawing/2014/main" id="{7B4D94C8-3888-4DA8-9BD7-44F16B3F0802}"/>
               </a:ext>
             </a:extLst>
           </p:cNvPr>
@@ -2779,16 +2781,19 @@
           <a:bodyPr/>
           <a:lstStyle/>
           <a:p>
-            <a:endParaRPr lang="de-DE"/>
+            <a:r>
+              <a:rPr lang="de-DE" dirty="0"/>
+              <a:t>Grundidee</a:t>
+            </a:r>
           </a:p>
         </p:txBody>
       </p:sp>
       <p:sp>
         <p:nvSpPr>
-          <p:cNvPr id="3" name="Inhaltsplatzhalter 2">
+          <p:cNvPr id="6" name="Inhaltsplatzhalter 5">
             <a:extLst>
               <a:ext uri="{FF2B5EF4-FFF2-40B4-BE49-F238E27FC236}">
-                <a16:creationId xmlns:a16="http://schemas.microsoft.com/office/drawing/2014/main" id="{834E5C1C-CA6E-4B76-8F6A-ACE8132B5E47}"/>
+                <a16:creationId xmlns:a16="http://schemas.microsoft.com/office/drawing/2014/main" id="{D9E0F4BF-C3A0-46D0-8377-6AFEE4BC21DD}"/>
               </a:ext>
             </a:extLst>
           </p:cNvPr>
@@ -2804,16 +2809,61 @@
           <a:bodyPr/>
           <a:lstStyle/>
           <a:p>
-            <a:endParaRPr lang="de-DE"/>
+            <a:r>
+              <a:rPr lang="de-DE" dirty="0"/>
+              <a:t>Dashboard- und Infotainmentsystem</a:t>
+            </a:r>
+          </a:p>
+          <a:p>
+            <a:r>
+              <a:rPr lang="de-DE" dirty="0"/>
+              <a:t>Design der beiden Systeme soll aufeinander abgestimmt sein</a:t>
+            </a:r>
+          </a:p>
+          <a:p>
+            <a:r>
+              <a:rPr lang="de-DE" dirty="0"/>
+              <a:t>Kommunikation über MQTT</a:t>
+            </a:r>
           </a:p>
         </p:txBody>
       </p:sp>
+    </p:spTree>
+    <p:extLst>
+      <p:ext uri="{BB962C8B-B14F-4D97-AF65-F5344CB8AC3E}">
+        <p14:creationId xmlns:p14="http://schemas.microsoft.com/office/powerpoint/2010/main" val="3355484590"/>
+      </p:ext>
+    </p:extLst>
+  </p:cSld>
+  <p:clrMapOvr>
+    <a:masterClrMapping/>
+  </p:clrMapOvr>
+</p:sld>
+</file>
+
+<file path=ppt/slides/slide3.xml><?xml version="1.0" encoding="utf-8"?>
+<p:sld xmlns:a="http://schemas.openxmlformats.org/drawingml/2006/main" xmlns:r="http://schemas.openxmlformats.org/officeDocument/2006/relationships" xmlns:p="http://schemas.openxmlformats.org/presentationml/2006/main">
+  <p:cSld>
+    <p:spTree>
+      <p:nvGrpSpPr>
+        <p:cNvPr id="1" name=""/>
+        <p:cNvGrpSpPr/>
+        <p:nvPr/>
+      </p:nvGrpSpPr>
+      <p:grpSpPr>
+        <a:xfrm>
+          <a:off x="0" y="0"/>
+          <a:ext cx="0" cy="0"/>
+          <a:chOff x="0" y="0"/>
+          <a:chExt cx="0" cy="0"/>
+        </a:xfrm>
+      </p:grpSpPr>
       <p:sp>
         <p:nvSpPr>
-          <p:cNvPr id="4" name="Inhaltsplatzhalter 3">
+          <p:cNvPr id="2" name="Titel 1">
             <a:extLst>
               <a:ext uri="{FF2B5EF4-FFF2-40B4-BE49-F238E27FC236}">
-                <a16:creationId xmlns:a16="http://schemas.microsoft.com/office/drawing/2014/main" id="{0207A7DD-51A4-481A-937F-937FAA90442C}"/>
+                <a16:creationId xmlns:a16="http://schemas.microsoft.com/office/drawing/2014/main" id="{DE4BB4F0-F184-4A3B-A2C5-169FA853F252}"/>
               </a:ext>
             </a:extLst>
           </p:cNvPr>
@@ -2821,7 +2871,7 @@
             <a:spLocks noGrp="1"/>
           </p:cNvSpPr>
           <p:nvPr>
-            <p:ph idx="15"/>
+            <p:ph type="title"/>
           </p:nvPr>
         </p:nvSpPr>
         <p:spPr/>
@@ -2829,6 +2879,34 @@
           <a:bodyPr/>
           <a:lstStyle/>
           <a:p>
+            <a:r>
+              <a:rPr lang="de-DE" dirty="0"/>
+              <a:t>Basisfeatures</a:t>
+            </a:r>
+          </a:p>
+        </p:txBody>
+      </p:sp>
+      <p:sp>
+        <p:nvSpPr>
+          <p:cNvPr id="5" name="Inhaltsplatzhalter 4">
+            <a:extLst>
+              <a:ext uri="{FF2B5EF4-FFF2-40B4-BE49-F238E27FC236}">
+                <a16:creationId xmlns:a16="http://schemas.microsoft.com/office/drawing/2014/main" id="{B8F0550E-1D6A-4D12-B8CA-F28B74A8A94C}"/>
+              </a:ext>
+            </a:extLst>
+          </p:cNvPr>
+          <p:cNvSpPr>
+            <a:spLocks noGrp="1"/>
+          </p:cNvSpPr>
+          <p:nvPr>
+            <p:ph idx="1"/>
+          </p:nvPr>
+        </p:nvSpPr>
+        <p:spPr/>
+        <p:txBody>
+          <a:bodyPr/>
+          <a:lstStyle/>
+          <a:p>
             <a:endParaRPr lang="de-DE"/>
           </a:p>
         </p:txBody>
@@ -2836,7 +2914,90 @@
     </p:spTree>
     <p:extLst>
       <p:ext uri="{BB962C8B-B14F-4D97-AF65-F5344CB8AC3E}">
-        <p14:creationId xmlns:p14="http://schemas.microsoft.com/office/powerpoint/2010/main" val="3355484590"/>
+        <p14:creationId xmlns:p14="http://schemas.microsoft.com/office/powerpoint/2010/main" val="814224781"/>
+      </p:ext>
+    </p:extLst>
+  </p:cSld>
+  <p:clrMapOvr>
+    <a:masterClrMapping/>
+  </p:clrMapOvr>
+</p:sld>
+</file>
+
+<file path=ppt/slides/slide4.xml><?xml version="1.0" encoding="utf-8"?>
+<p:sld xmlns:a="http://schemas.openxmlformats.org/drawingml/2006/main" xmlns:r="http://schemas.openxmlformats.org/officeDocument/2006/relationships" xmlns:p="http://schemas.openxmlformats.org/presentationml/2006/main">
+  <p:cSld>
+    <p:spTree>
+      <p:nvGrpSpPr>
+        <p:cNvPr id="1" name=""/>
+        <p:cNvGrpSpPr/>
+        <p:nvPr/>
+      </p:nvGrpSpPr>
+      <p:grpSpPr>
+        <a:xfrm>
+          <a:off x="0" y="0"/>
+          <a:ext cx="0" cy="0"/>
+          <a:chOff x="0" y="0"/>
+          <a:chExt cx="0" cy="0"/>
+        </a:xfrm>
+      </p:grpSpPr>
+      <p:sp>
+        <p:nvSpPr>
+          <p:cNvPr id="2" name="Titel 1">
+            <a:extLst>
+              <a:ext uri="{FF2B5EF4-FFF2-40B4-BE49-F238E27FC236}">
+                <a16:creationId xmlns:a16="http://schemas.microsoft.com/office/drawing/2014/main" id="{0DAEBD40-AAFC-4476-B13E-B66F2D7CC80B}"/>
+              </a:ext>
+            </a:extLst>
+          </p:cNvPr>
+          <p:cNvSpPr>
+            <a:spLocks noGrp="1"/>
+          </p:cNvSpPr>
+          <p:nvPr>
+            <p:ph type="title"/>
+          </p:nvPr>
+        </p:nvSpPr>
+        <p:spPr/>
+        <p:txBody>
+          <a:bodyPr/>
+          <a:lstStyle/>
+          <a:p>
+            <a:r>
+              <a:rPr lang="de-DE" dirty="0"/>
+              <a:t>Zusatzfeatures</a:t>
+            </a:r>
+          </a:p>
+        </p:txBody>
+      </p:sp>
+      <p:sp>
+        <p:nvSpPr>
+          <p:cNvPr id="5" name="Inhaltsplatzhalter 4">
+            <a:extLst>
+              <a:ext uri="{FF2B5EF4-FFF2-40B4-BE49-F238E27FC236}">
+                <a16:creationId xmlns:a16="http://schemas.microsoft.com/office/drawing/2014/main" id="{56FA9CF3-15A4-400C-AE2E-22481D885558}"/>
+              </a:ext>
+            </a:extLst>
+          </p:cNvPr>
+          <p:cNvSpPr>
+            <a:spLocks noGrp="1"/>
+          </p:cNvSpPr>
+          <p:nvPr>
+            <p:ph idx="1"/>
+          </p:nvPr>
+        </p:nvSpPr>
+        <p:spPr/>
+        <p:txBody>
+          <a:bodyPr/>
+          <a:lstStyle/>
+          <a:p>
+            <a:endParaRPr lang="de-DE"/>
+          </a:p>
+        </p:txBody>
+      </p:sp>
+    </p:spTree>
+    <p:extLst>
+      <p:ext uri="{BB962C8B-B14F-4D97-AF65-F5344CB8AC3E}">
+        <p14:creationId xmlns:p14="http://schemas.microsoft.com/office/powerpoint/2010/main" val="3298788032"/>
       </p:ext>
     </p:extLst>
   </p:cSld>

--- a/Konzeptpapier/Konzept_DAIS.pptx
+++ b/Konzeptpapier/Konzept_DAIS.pptx
@@ -5,13 +5,16 @@
     <p:sldMasterId id="2147483648" r:id="rId1"/>
   </p:sldMasterIdLst>
   <p:notesMasterIdLst>
-    <p:notesMasterId r:id="rId6"/>
+    <p:notesMasterId r:id="rId9"/>
   </p:notesMasterIdLst>
   <p:sldIdLst>
     <p:sldId id="264" r:id="rId2"/>
     <p:sldId id="265" r:id="rId3"/>
-    <p:sldId id="266" r:id="rId4"/>
-    <p:sldId id="267" r:id="rId5"/>
+    <p:sldId id="267" r:id="rId4"/>
+    <p:sldId id="268" r:id="rId5"/>
+    <p:sldId id="269" r:id="rId6"/>
+    <p:sldId id="270" r:id="rId7"/>
+    <p:sldId id="271" r:id="rId8"/>
   </p:sldIdLst>
   <p:sldSz cx="9144000" cy="6858000" type="screen4x3"/>
   <p:notesSz cx="6858000" cy="9144000"/>
@@ -155,6 +158,9 @@
         </p15:guide>
       </p15:sldGuideLst>
     </p:ext>
+    <p:ext uri="{2D200454-40CA-4A62-9FC3-DE9A4176ACB9}">
+      <p15:notesGuideLst xmlns:p15="http://schemas.microsoft.com/office/powerpoint/2012/main"/>
+    </p:ext>
   </p:extLst>
 </p:presentation>
 </file>
@@ -283,7 +289,7 @@
               <a:pPr>
                 <a:defRPr/>
               </a:pPr>
-              <a:t>12.11.2019</a:t>
+              <a:t>17.11.2019</a:t>
             </a:fld>
             <a:endParaRPr lang="de-DE"/>
           </a:p>
@@ -2730,7 +2736,7 @@
             </a:br>
             <a:r>
               <a:rPr lang="de-DE" altLang="de-DE" sz="1400" dirty="0"/>
-              <a:t>Zimmermann, Philipp, 870872, phzi0004@stud.hs-kl.de </a:t>
+              <a:t>Zimmermann, Philipp, 870872</a:t>
             </a:r>
           </a:p>
         </p:txBody>
@@ -2874,13 +2880,18 @@
             <p:ph type="title"/>
           </p:nvPr>
         </p:nvSpPr>
-        <p:spPr/>
+        <p:spPr>
+          <a:xfrm>
+            <a:off x="900113" y="2452516"/>
+            <a:ext cx="6719887" cy="412421"/>
+          </a:xfrm>
+        </p:spPr>
         <p:txBody>
           <a:bodyPr/>
           <a:lstStyle/>
           <a:p>
             <a:r>
-              <a:rPr lang="de-DE" dirty="0"/>
+              <a:rPr lang="de-DE" sz="2000" dirty="0"/>
               <a:t>Basisfeatures</a:t>
             </a:r>
           </a:p>
@@ -2902,19 +2913,691 @@
             <p:ph idx="1"/>
           </p:nvPr>
         </p:nvSpPr>
-        <p:spPr/>
+        <p:spPr>
+          <a:xfrm>
+            <a:off x="922338" y="3006227"/>
+            <a:ext cx="6702425" cy="919162"/>
+          </a:xfrm>
+        </p:spPr>
         <p:txBody>
           <a:bodyPr/>
           <a:lstStyle/>
           <a:p>
-            <a:endParaRPr lang="de-DE"/>
+            <a:r>
+              <a:rPr lang="de-DE" dirty="0"/>
+              <a:t>Grundfunktionen (Tacho, Warnleuchten etc.)</a:t>
+            </a:r>
+          </a:p>
+          <a:p>
+            <a:r>
+              <a:rPr lang="de-DE" dirty="0"/>
+              <a:t>Fahrzeugdaten (Verbrauch, Türen)</a:t>
+            </a:r>
+          </a:p>
+        </p:txBody>
+      </p:sp>
+      <p:sp>
+        <p:nvSpPr>
+          <p:cNvPr id="4" name="Titel 1">
+            <a:extLst>
+              <a:ext uri="{FF2B5EF4-FFF2-40B4-BE49-F238E27FC236}">
+                <a16:creationId xmlns:a16="http://schemas.microsoft.com/office/drawing/2014/main" id="{AE9C4DC8-76A8-480B-AB47-7B80FF159ABB}"/>
+              </a:ext>
+            </a:extLst>
+          </p:cNvPr>
+          <p:cNvSpPr txBox="1">
+            <a:spLocks/>
+          </p:cNvSpPr>
+          <p:nvPr/>
+        </p:nvSpPr>
+        <p:spPr bwMode="auto">
+          <a:xfrm>
+            <a:off x="900113" y="4026522"/>
+            <a:ext cx="6719887" cy="412421"/>
+          </a:xfrm>
+          <a:prstGeom prst="rect">
+            <a:avLst/>
+          </a:prstGeom>
+          <a:noFill/>
+          <a:ln>
+            <a:noFill/>
+          </a:ln>
+          <a:extLst>
+            <a:ext uri="{909E8E84-426E-40DD-AFC4-6F175D3DCCD1}">
+              <a14:hiddenFill xmlns:a14="http://schemas.microsoft.com/office/drawing/2010/main">
+                <a:solidFill>
+                  <a:srgbClr val="FFFFFF"/>
+                </a:solidFill>
+              </a14:hiddenFill>
+            </a:ext>
+            <a:ext uri="{91240B29-F687-4F45-9708-019B960494DF}">
+              <a14:hiddenLine xmlns:a14="http://schemas.microsoft.com/office/drawing/2010/main" w="9525">
+                <a:solidFill>
+                  <a:srgbClr val="000000"/>
+                </a:solidFill>
+                <a:miter lim="800000"/>
+                <a:headEnd/>
+                <a:tailEnd/>
+              </a14:hiddenLine>
+            </a:ext>
+          </a:extLst>
+        </p:spPr>
+        <p:txBody>
+          <a:bodyPr vert="horz" wrap="square" lIns="91440" tIns="46800" rIns="91440" bIns="54000" numCol="1" anchor="b" anchorCtr="0" compatLnSpc="1">
+            <a:prstTxWarp prst="textNoShape">
+              <a:avLst/>
+            </a:prstTxWarp>
+          </a:bodyPr>
+          <a:lstStyle>
+            <a:lvl1pPr algn="l" rtl="0" fontAlgn="base">
+              <a:lnSpc>
+                <a:spcPts val="3100"/>
+              </a:lnSpc>
+              <a:spcBef>
+                <a:spcPct val="0"/>
+              </a:spcBef>
+              <a:spcAft>
+                <a:spcPct val="0"/>
+              </a:spcAft>
+              <a:defRPr sz="2800" b="1" kern="1200">
+                <a:solidFill>
+                  <a:srgbClr val="28B4DC"/>
+                </a:solidFill>
+                <a:latin typeface="+mj-lt"/>
+                <a:ea typeface="+mj-ea"/>
+                <a:cs typeface="+mj-cs"/>
+              </a:defRPr>
+            </a:lvl1pPr>
+            <a:lvl2pPr algn="l" rtl="0" fontAlgn="base">
+              <a:lnSpc>
+                <a:spcPts val="3100"/>
+              </a:lnSpc>
+              <a:spcBef>
+                <a:spcPct val="0"/>
+              </a:spcBef>
+              <a:spcAft>
+                <a:spcPct val="0"/>
+              </a:spcAft>
+              <a:defRPr sz="2800" b="1">
+                <a:solidFill>
+                  <a:srgbClr val="28B4DC"/>
+                </a:solidFill>
+                <a:latin typeface="Arial" panose="020B0604020202020204" pitchFamily="34" charset="0"/>
+              </a:defRPr>
+            </a:lvl2pPr>
+            <a:lvl3pPr algn="l" rtl="0" fontAlgn="base">
+              <a:lnSpc>
+                <a:spcPts val="3100"/>
+              </a:lnSpc>
+              <a:spcBef>
+                <a:spcPct val="0"/>
+              </a:spcBef>
+              <a:spcAft>
+                <a:spcPct val="0"/>
+              </a:spcAft>
+              <a:defRPr sz="2800" b="1">
+                <a:solidFill>
+                  <a:srgbClr val="28B4DC"/>
+                </a:solidFill>
+                <a:latin typeface="Arial" panose="020B0604020202020204" pitchFamily="34" charset="0"/>
+              </a:defRPr>
+            </a:lvl3pPr>
+            <a:lvl4pPr algn="l" rtl="0" fontAlgn="base">
+              <a:lnSpc>
+                <a:spcPts val="3100"/>
+              </a:lnSpc>
+              <a:spcBef>
+                <a:spcPct val="0"/>
+              </a:spcBef>
+              <a:spcAft>
+                <a:spcPct val="0"/>
+              </a:spcAft>
+              <a:defRPr sz="2800" b="1">
+                <a:solidFill>
+                  <a:srgbClr val="28B4DC"/>
+                </a:solidFill>
+                <a:latin typeface="Arial" panose="020B0604020202020204" pitchFamily="34" charset="0"/>
+              </a:defRPr>
+            </a:lvl4pPr>
+            <a:lvl5pPr algn="l" rtl="0" fontAlgn="base">
+              <a:lnSpc>
+                <a:spcPts val="3100"/>
+              </a:lnSpc>
+              <a:spcBef>
+                <a:spcPct val="0"/>
+              </a:spcBef>
+              <a:spcAft>
+                <a:spcPct val="0"/>
+              </a:spcAft>
+              <a:defRPr sz="2800" b="1">
+                <a:solidFill>
+                  <a:srgbClr val="28B4DC"/>
+                </a:solidFill>
+                <a:latin typeface="Arial" panose="020B0604020202020204" pitchFamily="34" charset="0"/>
+              </a:defRPr>
+            </a:lvl5pPr>
+            <a:lvl6pPr marL="457200" algn="l" rtl="0" fontAlgn="base">
+              <a:lnSpc>
+                <a:spcPts val="3100"/>
+              </a:lnSpc>
+              <a:spcBef>
+                <a:spcPct val="0"/>
+              </a:spcBef>
+              <a:spcAft>
+                <a:spcPct val="0"/>
+              </a:spcAft>
+              <a:defRPr sz="2800" b="1">
+                <a:solidFill>
+                  <a:srgbClr val="28B4DC"/>
+                </a:solidFill>
+                <a:latin typeface="Arial" panose="020B0604020202020204" pitchFamily="34" charset="0"/>
+              </a:defRPr>
+            </a:lvl6pPr>
+            <a:lvl7pPr marL="914400" algn="l" rtl="0" fontAlgn="base">
+              <a:lnSpc>
+                <a:spcPts val="3100"/>
+              </a:lnSpc>
+              <a:spcBef>
+                <a:spcPct val="0"/>
+              </a:spcBef>
+              <a:spcAft>
+                <a:spcPct val="0"/>
+              </a:spcAft>
+              <a:defRPr sz="2800" b="1">
+                <a:solidFill>
+                  <a:srgbClr val="28B4DC"/>
+                </a:solidFill>
+                <a:latin typeface="Arial" panose="020B0604020202020204" pitchFamily="34" charset="0"/>
+              </a:defRPr>
+            </a:lvl7pPr>
+            <a:lvl8pPr marL="1371600" algn="l" rtl="0" fontAlgn="base">
+              <a:lnSpc>
+                <a:spcPts val="3100"/>
+              </a:lnSpc>
+              <a:spcBef>
+                <a:spcPct val="0"/>
+              </a:spcBef>
+              <a:spcAft>
+                <a:spcPct val="0"/>
+              </a:spcAft>
+              <a:defRPr sz="2800" b="1">
+                <a:solidFill>
+                  <a:srgbClr val="28B4DC"/>
+                </a:solidFill>
+                <a:latin typeface="Arial" panose="020B0604020202020204" pitchFamily="34" charset="0"/>
+              </a:defRPr>
+            </a:lvl8pPr>
+            <a:lvl9pPr marL="1828800" algn="l" rtl="0" fontAlgn="base">
+              <a:lnSpc>
+                <a:spcPts val="3100"/>
+              </a:lnSpc>
+              <a:spcBef>
+                <a:spcPct val="0"/>
+              </a:spcBef>
+              <a:spcAft>
+                <a:spcPct val="0"/>
+              </a:spcAft>
+              <a:defRPr sz="2800" b="1">
+                <a:solidFill>
+                  <a:srgbClr val="28B4DC"/>
+                </a:solidFill>
+                <a:latin typeface="Arial" panose="020B0604020202020204" pitchFamily="34" charset="0"/>
+              </a:defRPr>
+            </a:lvl9pPr>
+          </a:lstStyle>
+          <a:p>
+            <a:r>
+              <a:rPr lang="de-DE" sz="2000" dirty="0"/>
+              <a:t>Zusatzfeatures</a:t>
+            </a:r>
+          </a:p>
+        </p:txBody>
+      </p:sp>
+      <p:sp>
+        <p:nvSpPr>
+          <p:cNvPr id="6" name="Inhaltsplatzhalter 4">
+            <a:extLst>
+              <a:ext uri="{FF2B5EF4-FFF2-40B4-BE49-F238E27FC236}">
+                <a16:creationId xmlns:a16="http://schemas.microsoft.com/office/drawing/2014/main" id="{C1FE65C3-867C-40ED-98F7-EEA9F0D05F78}"/>
+              </a:ext>
+            </a:extLst>
+          </p:cNvPr>
+          <p:cNvSpPr txBox="1">
+            <a:spLocks/>
+          </p:cNvSpPr>
+          <p:nvPr/>
+        </p:nvSpPr>
+        <p:spPr bwMode="auto">
+          <a:xfrm>
+            <a:off x="922338" y="4526256"/>
+            <a:ext cx="6702425" cy="1665537"/>
+          </a:xfrm>
+          <a:prstGeom prst="rect">
+            <a:avLst/>
+          </a:prstGeom>
+          <a:noFill/>
+          <a:ln>
+            <a:noFill/>
+          </a:ln>
+          <a:extLst>
+            <a:ext uri="{909E8E84-426E-40DD-AFC4-6F175D3DCCD1}">
+              <a14:hiddenFill xmlns:a14="http://schemas.microsoft.com/office/drawing/2010/main">
+                <a:solidFill>
+                  <a:srgbClr val="FFFFFF"/>
+                </a:solidFill>
+              </a14:hiddenFill>
+            </a:ext>
+            <a:ext uri="{91240B29-F687-4F45-9708-019B960494DF}">
+              <a14:hiddenLine xmlns:a14="http://schemas.microsoft.com/office/drawing/2010/main" w="9525">
+                <a:solidFill>
+                  <a:srgbClr val="000000"/>
+                </a:solidFill>
+                <a:miter lim="800000"/>
+                <a:headEnd/>
+                <a:tailEnd/>
+              </a14:hiddenLine>
+            </a:ext>
+          </a:extLst>
+        </p:spPr>
+        <p:txBody>
+          <a:bodyPr vert="horz" wrap="square" lIns="91440" tIns="36000" rIns="91440" bIns="45720" numCol="1" anchor="t" anchorCtr="0" compatLnSpc="1">
+            <a:prstTxWarp prst="textNoShape">
+              <a:avLst/>
+            </a:prstTxWarp>
+          </a:bodyPr>
+          <a:lstStyle>
+            <a:lvl1pPr marL="142875" indent="-142875" algn="l" rtl="0" fontAlgn="base">
+              <a:spcBef>
+                <a:spcPts val="600"/>
+              </a:spcBef>
+              <a:spcAft>
+                <a:spcPts val="600"/>
+              </a:spcAft>
+              <a:buFont typeface="Wingdings" panose="05000000000000000000" pitchFamily="2" charset="2"/>
+              <a:buChar char="§"/>
+              <a:defRPr sz="1600" kern="1200">
+                <a:solidFill>
+                  <a:schemeClr val="tx1"/>
+                </a:solidFill>
+                <a:latin typeface="+mn-lt"/>
+                <a:ea typeface="+mn-ea"/>
+                <a:cs typeface="+mn-cs"/>
+              </a:defRPr>
+            </a:lvl1pPr>
+            <a:lvl2pPr marL="287338" indent="-142875" algn="l" rtl="0" fontAlgn="base">
+              <a:spcBef>
+                <a:spcPts val="600"/>
+              </a:spcBef>
+              <a:spcAft>
+                <a:spcPts val="600"/>
+              </a:spcAft>
+              <a:buFont typeface="Wingdings" panose="05000000000000000000" pitchFamily="2" charset="2"/>
+              <a:buChar char="§"/>
+              <a:defRPr sz="1600" kern="1200">
+                <a:solidFill>
+                  <a:schemeClr val="tx1"/>
+                </a:solidFill>
+                <a:latin typeface="+mn-lt"/>
+                <a:ea typeface="+mn-ea"/>
+                <a:cs typeface="+mn-cs"/>
+              </a:defRPr>
+            </a:lvl2pPr>
+            <a:lvl3pPr marL="431800" indent="-142875" algn="l" rtl="0" fontAlgn="base">
+              <a:spcBef>
+                <a:spcPts val="600"/>
+              </a:spcBef>
+              <a:spcAft>
+                <a:spcPts val="600"/>
+              </a:spcAft>
+              <a:buFont typeface="Wingdings" panose="05000000000000000000" pitchFamily="2" charset="2"/>
+              <a:buChar char="§"/>
+              <a:defRPr sz="1400" kern="1200">
+                <a:solidFill>
+                  <a:schemeClr val="tx1"/>
+                </a:solidFill>
+                <a:latin typeface="+mn-lt"/>
+                <a:ea typeface="+mn-ea"/>
+                <a:cs typeface="+mn-cs"/>
+              </a:defRPr>
+            </a:lvl3pPr>
+            <a:lvl4pPr marL="574675" indent="-142875" algn="l" rtl="0" fontAlgn="base">
+              <a:spcBef>
+                <a:spcPts val="600"/>
+              </a:spcBef>
+              <a:spcAft>
+                <a:spcPts val="600"/>
+              </a:spcAft>
+              <a:buFont typeface="Wingdings" panose="05000000000000000000" pitchFamily="2" charset="2"/>
+              <a:buChar char="§"/>
+              <a:defRPr sz="1400" kern="1200">
+                <a:solidFill>
+                  <a:schemeClr val="tx1"/>
+                </a:solidFill>
+                <a:latin typeface="+mn-lt"/>
+                <a:ea typeface="+mn-ea"/>
+                <a:cs typeface="+mn-cs"/>
+              </a:defRPr>
+            </a:lvl4pPr>
+            <a:lvl5pPr marL="719138" indent="-142875" algn="l" rtl="0" fontAlgn="base">
+              <a:spcBef>
+                <a:spcPts val="600"/>
+              </a:spcBef>
+              <a:spcAft>
+                <a:spcPts val="600"/>
+              </a:spcAft>
+              <a:buFont typeface="Wingdings" panose="05000000000000000000" pitchFamily="2" charset="2"/>
+              <a:buChar char="§"/>
+              <a:defRPr sz="1400" kern="1200">
+                <a:solidFill>
+                  <a:schemeClr val="tx1"/>
+                </a:solidFill>
+                <a:latin typeface="+mn-lt"/>
+                <a:ea typeface="+mn-ea"/>
+                <a:cs typeface="+mn-cs"/>
+              </a:defRPr>
+            </a:lvl5pPr>
+            <a:lvl6pPr marL="2514600" indent="-228600" algn="l" defTabSz="914400" rtl="0" eaLnBrk="1" latinLnBrk="0" hangingPunct="1">
+              <a:spcBef>
+                <a:spcPct val="20000"/>
+              </a:spcBef>
+              <a:buFont typeface="Arial" panose="020B0604020202020204" pitchFamily="34" charset="0"/>
+              <a:buChar char="•"/>
+              <a:defRPr sz="2000" kern="1200">
+                <a:solidFill>
+                  <a:schemeClr val="tx1"/>
+                </a:solidFill>
+                <a:latin typeface="+mn-lt"/>
+                <a:ea typeface="+mn-ea"/>
+                <a:cs typeface="+mn-cs"/>
+              </a:defRPr>
+            </a:lvl6pPr>
+            <a:lvl7pPr marL="2971800" indent="-228600" algn="l" defTabSz="914400" rtl="0" eaLnBrk="1" latinLnBrk="0" hangingPunct="1">
+              <a:spcBef>
+                <a:spcPct val="20000"/>
+              </a:spcBef>
+              <a:buFont typeface="Arial" panose="020B0604020202020204" pitchFamily="34" charset="0"/>
+              <a:buChar char="•"/>
+              <a:defRPr sz="2000" kern="1200">
+                <a:solidFill>
+                  <a:schemeClr val="tx1"/>
+                </a:solidFill>
+                <a:latin typeface="+mn-lt"/>
+                <a:ea typeface="+mn-ea"/>
+                <a:cs typeface="+mn-cs"/>
+              </a:defRPr>
+            </a:lvl7pPr>
+            <a:lvl8pPr marL="3429000" indent="-228600" algn="l" defTabSz="914400" rtl="0" eaLnBrk="1" latinLnBrk="0" hangingPunct="1">
+              <a:spcBef>
+                <a:spcPct val="20000"/>
+              </a:spcBef>
+              <a:buFont typeface="Arial" panose="020B0604020202020204" pitchFamily="34" charset="0"/>
+              <a:buChar char="•"/>
+              <a:defRPr sz="2000" kern="1200">
+                <a:solidFill>
+                  <a:schemeClr val="tx1"/>
+                </a:solidFill>
+                <a:latin typeface="+mn-lt"/>
+                <a:ea typeface="+mn-ea"/>
+                <a:cs typeface="+mn-cs"/>
+              </a:defRPr>
+            </a:lvl8pPr>
+            <a:lvl9pPr marL="3886200" indent="-228600" algn="l" defTabSz="914400" rtl="0" eaLnBrk="1" latinLnBrk="0" hangingPunct="1">
+              <a:spcBef>
+                <a:spcPct val="20000"/>
+              </a:spcBef>
+              <a:buFont typeface="Arial" panose="020B0604020202020204" pitchFamily="34" charset="0"/>
+              <a:buChar char="•"/>
+              <a:defRPr sz="2000" kern="1200">
+                <a:solidFill>
+                  <a:schemeClr val="tx1"/>
+                </a:solidFill>
+                <a:latin typeface="+mn-lt"/>
+                <a:ea typeface="+mn-ea"/>
+                <a:cs typeface="+mn-cs"/>
+              </a:defRPr>
+            </a:lvl9pPr>
+          </a:lstStyle>
+          <a:p>
+            <a:r>
+              <a:rPr lang="de-DE" dirty="0"/>
+              <a:t>Navigation</a:t>
+            </a:r>
+          </a:p>
+          <a:p>
+            <a:r>
+              <a:rPr lang="de-DE" dirty="0"/>
+              <a:t>Medienanzeige</a:t>
+            </a:r>
+          </a:p>
+          <a:p>
+            <a:r>
+              <a:rPr lang="de-DE" dirty="0"/>
+              <a:t>Bedienung des Autos</a:t>
+            </a:r>
+          </a:p>
+        </p:txBody>
+      </p:sp>
+      <p:sp>
+        <p:nvSpPr>
+          <p:cNvPr id="7" name="Titel 1">
+            <a:extLst>
+              <a:ext uri="{FF2B5EF4-FFF2-40B4-BE49-F238E27FC236}">
+                <a16:creationId xmlns:a16="http://schemas.microsoft.com/office/drawing/2014/main" id="{85102D17-2DC2-4B05-B97C-17A42DB4C5A6}"/>
+              </a:ext>
+            </a:extLst>
+          </p:cNvPr>
+          <p:cNvSpPr txBox="1">
+            <a:spLocks/>
+          </p:cNvSpPr>
+          <p:nvPr/>
+        </p:nvSpPr>
+        <p:spPr bwMode="auto">
+          <a:xfrm>
+            <a:off x="900113" y="1320246"/>
+            <a:ext cx="6719887" cy="1027112"/>
+          </a:xfrm>
+          <a:prstGeom prst="rect">
+            <a:avLst/>
+          </a:prstGeom>
+          <a:noFill/>
+          <a:ln>
+            <a:noFill/>
+          </a:ln>
+          <a:extLst>
+            <a:ext uri="{909E8E84-426E-40DD-AFC4-6F175D3DCCD1}">
+              <a14:hiddenFill xmlns:a14="http://schemas.microsoft.com/office/drawing/2010/main">
+                <a:solidFill>
+                  <a:srgbClr val="FFFFFF"/>
+                </a:solidFill>
+              </a14:hiddenFill>
+            </a:ext>
+            <a:ext uri="{91240B29-F687-4F45-9708-019B960494DF}">
+              <a14:hiddenLine xmlns:a14="http://schemas.microsoft.com/office/drawing/2010/main" w="9525">
+                <a:solidFill>
+                  <a:srgbClr val="000000"/>
+                </a:solidFill>
+                <a:miter lim="800000"/>
+                <a:headEnd/>
+                <a:tailEnd/>
+              </a14:hiddenLine>
+            </a:ext>
+          </a:extLst>
+        </p:spPr>
+        <p:txBody>
+          <a:bodyPr vert="horz" wrap="square" lIns="91440" tIns="46800" rIns="91440" bIns="54000" numCol="1" anchor="b" anchorCtr="0" compatLnSpc="1">
+            <a:prstTxWarp prst="textNoShape">
+              <a:avLst/>
+            </a:prstTxWarp>
+          </a:bodyPr>
+          <a:lstStyle>
+            <a:lvl1pPr algn="l" rtl="0" fontAlgn="base">
+              <a:lnSpc>
+                <a:spcPts val="3100"/>
+              </a:lnSpc>
+              <a:spcBef>
+                <a:spcPct val="0"/>
+              </a:spcBef>
+              <a:spcAft>
+                <a:spcPct val="0"/>
+              </a:spcAft>
+              <a:defRPr sz="2800" b="1" kern="1200">
+                <a:solidFill>
+                  <a:srgbClr val="28B4DC"/>
+                </a:solidFill>
+                <a:latin typeface="+mj-lt"/>
+                <a:ea typeface="+mj-ea"/>
+                <a:cs typeface="+mj-cs"/>
+              </a:defRPr>
+            </a:lvl1pPr>
+            <a:lvl2pPr algn="l" rtl="0" fontAlgn="base">
+              <a:lnSpc>
+                <a:spcPts val="3100"/>
+              </a:lnSpc>
+              <a:spcBef>
+                <a:spcPct val="0"/>
+              </a:spcBef>
+              <a:spcAft>
+                <a:spcPct val="0"/>
+              </a:spcAft>
+              <a:defRPr sz="2800" b="1">
+                <a:solidFill>
+                  <a:srgbClr val="28B4DC"/>
+                </a:solidFill>
+                <a:latin typeface="Arial" panose="020B0604020202020204" pitchFamily="34" charset="0"/>
+              </a:defRPr>
+            </a:lvl2pPr>
+            <a:lvl3pPr algn="l" rtl="0" fontAlgn="base">
+              <a:lnSpc>
+                <a:spcPts val="3100"/>
+              </a:lnSpc>
+              <a:spcBef>
+                <a:spcPct val="0"/>
+              </a:spcBef>
+              <a:spcAft>
+                <a:spcPct val="0"/>
+              </a:spcAft>
+              <a:defRPr sz="2800" b="1">
+                <a:solidFill>
+                  <a:srgbClr val="28B4DC"/>
+                </a:solidFill>
+                <a:latin typeface="Arial" panose="020B0604020202020204" pitchFamily="34" charset="0"/>
+              </a:defRPr>
+            </a:lvl3pPr>
+            <a:lvl4pPr algn="l" rtl="0" fontAlgn="base">
+              <a:lnSpc>
+                <a:spcPts val="3100"/>
+              </a:lnSpc>
+              <a:spcBef>
+                <a:spcPct val="0"/>
+              </a:spcBef>
+              <a:spcAft>
+                <a:spcPct val="0"/>
+              </a:spcAft>
+              <a:defRPr sz="2800" b="1">
+                <a:solidFill>
+                  <a:srgbClr val="28B4DC"/>
+                </a:solidFill>
+                <a:latin typeface="Arial" panose="020B0604020202020204" pitchFamily="34" charset="0"/>
+              </a:defRPr>
+            </a:lvl4pPr>
+            <a:lvl5pPr algn="l" rtl="0" fontAlgn="base">
+              <a:lnSpc>
+                <a:spcPts val="3100"/>
+              </a:lnSpc>
+              <a:spcBef>
+                <a:spcPct val="0"/>
+              </a:spcBef>
+              <a:spcAft>
+                <a:spcPct val="0"/>
+              </a:spcAft>
+              <a:defRPr sz="2800" b="1">
+                <a:solidFill>
+                  <a:srgbClr val="28B4DC"/>
+                </a:solidFill>
+                <a:latin typeface="Arial" panose="020B0604020202020204" pitchFamily="34" charset="0"/>
+              </a:defRPr>
+            </a:lvl5pPr>
+            <a:lvl6pPr marL="457200" algn="l" rtl="0" fontAlgn="base">
+              <a:lnSpc>
+                <a:spcPts val="3100"/>
+              </a:lnSpc>
+              <a:spcBef>
+                <a:spcPct val="0"/>
+              </a:spcBef>
+              <a:spcAft>
+                <a:spcPct val="0"/>
+              </a:spcAft>
+              <a:defRPr sz="2800" b="1">
+                <a:solidFill>
+                  <a:srgbClr val="28B4DC"/>
+                </a:solidFill>
+                <a:latin typeface="Arial" panose="020B0604020202020204" pitchFamily="34" charset="0"/>
+              </a:defRPr>
+            </a:lvl6pPr>
+            <a:lvl7pPr marL="914400" algn="l" rtl="0" fontAlgn="base">
+              <a:lnSpc>
+                <a:spcPts val="3100"/>
+              </a:lnSpc>
+              <a:spcBef>
+                <a:spcPct val="0"/>
+              </a:spcBef>
+              <a:spcAft>
+                <a:spcPct val="0"/>
+              </a:spcAft>
+              <a:defRPr sz="2800" b="1">
+                <a:solidFill>
+                  <a:srgbClr val="28B4DC"/>
+                </a:solidFill>
+                <a:latin typeface="Arial" panose="020B0604020202020204" pitchFamily="34" charset="0"/>
+              </a:defRPr>
+            </a:lvl7pPr>
+            <a:lvl8pPr marL="1371600" algn="l" rtl="0" fontAlgn="base">
+              <a:lnSpc>
+                <a:spcPts val="3100"/>
+              </a:lnSpc>
+              <a:spcBef>
+                <a:spcPct val="0"/>
+              </a:spcBef>
+              <a:spcAft>
+                <a:spcPct val="0"/>
+              </a:spcAft>
+              <a:defRPr sz="2800" b="1">
+                <a:solidFill>
+                  <a:srgbClr val="28B4DC"/>
+                </a:solidFill>
+                <a:latin typeface="Arial" panose="020B0604020202020204" pitchFamily="34" charset="0"/>
+              </a:defRPr>
+            </a:lvl8pPr>
+            <a:lvl9pPr marL="1828800" algn="l" rtl="0" fontAlgn="base">
+              <a:lnSpc>
+                <a:spcPts val="3100"/>
+              </a:lnSpc>
+              <a:spcBef>
+                <a:spcPct val="0"/>
+              </a:spcBef>
+              <a:spcAft>
+                <a:spcPct val="0"/>
+              </a:spcAft>
+              <a:defRPr sz="2800" b="1">
+                <a:solidFill>
+                  <a:srgbClr val="28B4DC"/>
+                </a:solidFill>
+                <a:latin typeface="Arial" panose="020B0604020202020204" pitchFamily="34" charset="0"/>
+              </a:defRPr>
+            </a:lvl9pPr>
+          </a:lstStyle>
+          <a:p>
+            <a:r>
+              <a:rPr lang="de-DE" dirty="0"/>
+              <a:t>Dashboard</a:t>
+            </a:r>
           </a:p>
         </p:txBody>
       </p:sp>
     </p:spTree>
     <p:extLst>
       <p:ext uri="{BB962C8B-B14F-4D97-AF65-F5344CB8AC3E}">
-        <p14:creationId xmlns:p14="http://schemas.microsoft.com/office/powerpoint/2010/main" val="814224781"/>
+        <p14:creationId xmlns:p14="http://schemas.microsoft.com/office/powerpoint/2010/main" val="4039186273"/>
       </p:ext>
     </p:extLst>
   </p:cSld>
@@ -2946,7 +3629,782 @@
           <p:cNvPr id="2" name="Titel 1">
             <a:extLst>
               <a:ext uri="{FF2B5EF4-FFF2-40B4-BE49-F238E27FC236}">
-                <a16:creationId xmlns:a16="http://schemas.microsoft.com/office/drawing/2014/main" id="{0DAEBD40-AAFC-4476-B13E-B66F2D7CC80B}"/>
+                <a16:creationId xmlns:a16="http://schemas.microsoft.com/office/drawing/2014/main" id="{DE4BB4F0-F184-4A3B-A2C5-169FA853F252}"/>
+              </a:ext>
+            </a:extLst>
+          </p:cNvPr>
+          <p:cNvSpPr>
+            <a:spLocks noGrp="1"/>
+          </p:cNvSpPr>
+          <p:nvPr>
+            <p:ph type="title"/>
+          </p:nvPr>
+        </p:nvSpPr>
+        <p:spPr>
+          <a:xfrm>
+            <a:off x="900113" y="2452516"/>
+            <a:ext cx="6719887" cy="412421"/>
+          </a:xfrm>
+        </p:spPr>
+        <p:txBody>
+          <a:bodyPr/>
+          <a:lstStyle/>
+          <a:p>
+            <a:r>
+              <a:rPr lang="de-DE" sz="2000" dirty="0"/>
+              <a:t>Basisfeatures</a:t>
+            </a:r>
+          </a:p>
+        </p:txBody>
+      </p:sp>
+      <p:sp>
+        <p:nvSpPr>
+          <p:cNvPr id="5" name="Inhaltsplatzhalter 4">
+            <a:extLst>
+              <a:ext uri="{FF2B5EF4-FFF2-40B4-BE49-F238E27FC236}">
+                <a16:creationId xmlns:a16="http://schemas.microsoft.com/office/drawing/2014/main" id="{B8F0550E-1D6A-4D12-B8CA-F28B74A8A94C}"/>
+              </a:ext>
+            </a:extLst>
+          </p:cNvPr>
+          <p:cNvSpPr>
+            <a:spLocks noGrp="1"/>
+          </p:cNvSpPr>
+          <p:nvPr>
+            <p:ph idx="1"/>
+          </p:nvPr>
+        </p:nvSpPr>
+        <p:spPr>
+          <a:xfrm>
+            <a:off x="922338" y="3006227"/>
+            <a:ext cx="6702425" cy="919162"/>
+          </a:xfrm>
+        </p:spPr>
+        <p:txBody>
+          <a:bodyPr/>
+          <a:lstStyle/>
+          <a:p>
+            <a:r>
+              <a:rPr lang="de-DE" dirty="0"/>
+              <a:t>Musik</a:t>
+            </a:r>
+          </a:p>
+          <a:p>
+            <a:r>
+              <a:rPr lang="de-DE" dirty="0"/>
+              <a:t>Telefon</a:t>
+            </a:r>
+          </a:p>
+          <a:p>
+            <a:r>
+              <a:rPr lang="de-DE" dirty="0"/>
+              <a:t>Klimasteuerung</a:t>
+            </a:r>
+          </a:p>
+          <a:p>
+            <a:r>
+              <a:rPr lang="de-DE" dirty="0"/>
+              <a:t>Status des Autos</a:t>
+            </a:r>
+          </a:p>
+        </p:txBody>
+      </p:sp>
+      <p:sp>
+        <p:nvSpPr>
+          <p:cNvPr id="4" name="Titel 1">
+            <a:extLst>
+              <a:ext uri="{FF2B5EF4-FFF2-40B4-BE49-F238E27FC236}">
+                <a16:creationId xmlns:a16="http://schemas.microsoft.com/office/drawing/2014/main" id="{AE9C4DC8-76A8-480B-AB47-7B80FF159ABB}"/>
+              </a:ext>
+            </a:extLst>
+          </p:cNvPr>
+          <p:cNvSpPr txBox="1">
+            <a:spLocks/>
+          </p:cNvSpPr>
+          <p:nvPr/>
+        </p:nvSpPr>
+        <p:spPr bwMode="auto">
+          <a:xfrm>
+            <a:off x="900113" y="4580088"/>
+            <a:ext cx="6719887" cy="412421"/>
+          </a:xfrm>
+          <a:prstGeom prst="rect">
+            <a:avLst/>
+          </a:prstGeom>
+          <a:noFill/>
+          <a:ln>
+            <a:noFill/>
+          </a:ln>
+          <a:extLst>
+            <a:ext uri="{909E8E84-426E-40DD-AFC4-6F175D3DCCD1}">
+              <a14:hiddenFill xmlns:a14="http://schemas.microsoft.com/office/drawing/2010/main">
+                <a:solidFill>
+                  <a:srgbClr val="FFFFFF"/>
+                </a:solidFill>
+              </a14:hiddenFill>
+            </a:ext>
+            <a:ext uri="{91240B29-F687-4F45-9708-019B960494DF}">
+              <a14:hiddenLine xmlns:a14="http://schemas.microsoft.com/office/drawing/2010/main" w="9525">
+                <a:solidFill>
+                  <a:srgbClr val="000000"/>
+                </a:solidFill>
+                <a:miter lim="800000"/>
+                <a:headEnd/>
+                <a:tailEnd/>
+              </a14:hiddenLine>
+            </a:ext>
+          </a:extLst>
+        </p:spPr>
+        <p:txBody>
+          <a:bodyPr vert="horz" wrap="square" lIns="91440" tIns="46800" rIns="91440" bIns="54000" numCol="1" anchor="b" anchorCtr="0" compatLnSpc="1">
+            <a:prstTxWarp prst="textNoShape">
+              <a:avLst/>
+            </a:prstTxWarp>
+          </a:bodyPr>
+          <a:lstStyle>
+            <a:lvl1pPr algn="l" rtl="0" fontAlgn="base">
+              <a:lnSpc>
+                <a:spcPts val="3100"/>
+              </a:lnSpc>
+              <a:spcBef>
+                <a:spcPct val="0"/>
+              </a:spcBef>
+              <a:spcAft>
+                <a:spcPct val="0"/>
+              </a:spcAft>
+              <a:defRPr sz="2800" b="1" kern="1200">
+                <a:solidFill>
+                  <a:srgbClr val="28B4DC"/>
+                </a:solidFill>
+                <a:latin typeface="+mj-lt"/>
+                <a:ea typeface="+mj-ea"/>
+                <a:cs typeface="+mj-cs"/>
+              </a:defRPr>
+            </a:lvl1pPr>
+            <a:lvl2pPr algn="l" rtl="0" fontAlgn="base">
+              <a:lnSpc>
+                <a:spcPts val="3100"/>
+              </a:lnSpc>
+              <a:spcBef>
+                <a:spcPct val="0"/>
+              </a:spcBef>
+              <a:spcAft>
+                <a:spcPct val="0"/>
+              </a:spcAft>
+              <a:defRPr sz="2800" b="1">
+                <a:solidFill>
+                  <a:srgbClr val="28B4DC"/>
+                </a:solidFill>
+                <a:latin typeface="Arial" panose="020B0604020202020204" pitchFamily="34" charset="0"/>
+              </a:defRPr>
+            </a:lvl2pPr>
+            <a:lvl3pPr algn="l" rtl="0" fontAlgn="base">
+              <a:lnSpc>
+                <a:spcPts val="3100"/>
+              </a:lnSpc>
+              <a:spcBef>
+                <a:spcPct val="0"/>
+              </a:spcBef>
+              <a:spcAft>
+                <a:spcPct val="0"/>
+              </a:spcAft>
+              <a:defRPr sz="2800" b="1">
+                <a:solidFill>
+                  <a:srgbClr val="28B4DC"/>
+                </a:solidFill>
+                <a:latin typeface="Arial" panose="020B0604020202020204" pitchFamily="34" charset="0"/>
+              </a:defRPr>
+            </a:lvl3pPr>
+            <a:lvl4pPr algn="l" rtl="0" fontAlgn="base">
+              <a:lnSpc>
+                <a:spcPts val="3100"/>
+              </a:lnSpc>
+              <a:spcBef>
+                <a:spcPct val="0"/>
+              </a:spcBef>
+              <a:spcAft>
+                <a:spcPct val="0"/>
+              </a:spcAft>
+              <a:defRPr sz="2800" b="1">
+                <a:solidFill>
+                  <a:srgbClr val="28B4DC"/>
+                </a:solidFill>
+                <a:latin typeface="Arial" panose="020B0604020202020204" pitchFamily="34" charset="0"/>
+              </a:defRPr>
+            </a:lvl4pPr>
+            <a:lvl5pPr algn="l" rtl="0" fontAlgn="base">
+              <a:lnSpc>
+                <a:spcPts val="3100"/>
+              </a:lnSpc>
+              <a:spcBef>
+                <a:spcPct val="0"/>
+              </a:spcBef>
+              <a:spcAft>
+                <a:spcPct val="0"/>
+              </a:spcAft>
+              <a:defRPr sz="2800" b="1">
+                <a:solidFill>
+                  <a:srgbClr val="28B4DC"/>
+                </a:solidFill>
+                <a:latin typeface="Arial" panose="020B0604020202020204" pitchFamily="34" charset="0"/>
+              </a:defRPr>
+            </a:lvl5pPr>
+            <a:lvl6pPr marL="457200" algn="l" rtl="0" fontAlgn="base">
+              <a:lnSpc>
+                <a:spcPts val="3100"/>
+              </a:lnSpc>
+              <a:spcBef>
+                <a:spcPct val="0"/>
+              </a:spcBef>
+              <a:spcAft>
+                <a:spcPct val="0"/>
+              </a:spcAft>
+              <a:defRPr sz="2800" b="1">
+                <a:solidFill>
+                  <a:srgbClr val="28B4DC"/>
+                </a:solidFill>
+                <a:latin typeface="Arial" panose="020B0604020202020204" pitchFamily="34" charset="0"/>
+              </a:defRPr>
+            </a:lvl6pPr>
+            <a:lvl7pPr marL="914400" algn="l" rtl="0" fontAlgn="base">
+              <a:lnSpc>
+                <a:spcPts val="3100"/>
+              </a:lnSpc>
+              <a:spcBef>
+                <a:spcPct val="0"/>
+              </a:spcBef>
+              <a:spcAft>
+                <a:spcPct val="0"/>
+              </a:spcAft>
+              <a:defRPr sz="2800" b="1">
+                <a:solidFill>
+                  <a:srgbClr val="28B4DC"/>
+                </a:solidFill>
+                <a:latin typeface="Arial" panose="020B0604020202020204" pitchFamily="34" charset="0"/>
+              </a:defRPr>
+            </a:lvl7pPr>
+            <a:lvl8pPr marL="1371600" algn="l" rtl="0" fontAlgn="base">
+              <a:lnSpc>
+                <a:spcPts val="3100"/>
+              </a:lnSpc>
+              <a:spcBef>
+                <a:spcPct val="0"/>
+              </a:spcBef>
+              <a:spcAft>
+                <a:spcPct val="0"/>
+              </a:spcAft>
+              <a:defRPr sz="2800" b="1">
+                <a:solidFill>
+                  <a:srgbClr val="28B4DC"/>
+                </a:solidFill>
+                <a:latin typeface="Arial" panose="020B0604020202020204" pitchFamily="34" charset="0"/>
+              </a:defRPr>
+            </a:lvl8pPr>
+            <a:lvl9pPr marL="1828800" algn="l" rtl="0" fontAlgn="base">
+              <a:lnSpc>
+                <a:spcPts val="3100"/>
+              </a:lnSpc>
+              <a:spcBef>
+                <a:spcPct val="0"/>
+              </a:spcBef>
+              <a:spcAft>
+                <a:spcPct val="0"/>
+              </a:spcAft>
+              <a:defRPr sz="2800" b="1">
+                <a:solidFill>
+                  <a:srgbClr val="28B4DC"/>
+                </a:solidFill>
+                <a:latin typeface="Arial" panose="020B0604020202020204" pitchFamily="34" charset="0"/>
+              </a:defRPr>
+            </a:lvl9pPr>
+          </a:lstStyle>
+          <a:p>
+            <a:r>
+              <a:rPr lang="de-DE" sz="2000" dirty="0"/>
+              <a:t>Zusatzfeatures</a:t>
+            </a:r>
+          </a:p>
+        </p:txBody>
+      </p:sp>
+      <p:sp>
+        <p:nvSpPr>
+          <p:cNvPr id="6" name="Inhaltsplatzhalter 4">
+            <a:extLst>
+              <a:ext uri="{FF2B5EF4-FFF2-40B4-BE49-F238E27FC236}">
+                <a16:creationId xmlns:a16="http://schemas.microsoft.com/office/drawing/2014/main" id="{C1FE65C3-867C-40ED-98F7-EEA9F0D05F78}"/>
+              </a:ext>
+            </a:extLst>
+          </p:cNvPr>
+          <p:cNvSpPr txBox="1">
+            <a:spLocks/>
+          </p:cNvSpPr>
+          <p:nvPr/>
+        </p:nvSpPr>
+        <p:spPr bwMode="auto">
+          <a:xfrm>
+            <a:off x="922338" y="5079822"/>
+            <a:ext cx="6702425" cy="1665537"/>
+          </a:xfrm>
+          <a:prstGeom prst="rect">
+            <a:avLst/>
+          </a:prstGeom>
+          <a:noFill/>
+          <a:ln>
+            <a:noFill/>
+          </a:ln>
+          <a:extLst>
+            <a:ext uri="{909E8E84-426E-40DD-AFC4-6F175D3DCCD1}">
+              <a14:hiddenFill xmlns:a14="http://schemas.microsoft.com/office/drawing/2010/main">
+                <a:solidFill>
+                  <a:srgbClr val="FFFFFF"/>
+                </a:solidFill>
+              </a14:hiddenFill>
+            </a:ext>
+            <a:ext uri="{91240B29-F687-4F45-9708-019B960494DF}">
+              <a14:hiddenLine xmlns:a14="http://schemas.microsoft.com/office/drawing/2010/main" w="9525">
+                <a:solidFill>
+                  <a:srgbClr val="000000"/>
+                </a:solidFill>
+                <a:miter lim="800000"/>
+                <a:headEnd/>
+                <a:tailEnd/>
+              </a14:hiddenLine>
+            </a:ext>
+          </a:extLst>
+        </p:spPr>
+        <p:txBody>
+          <a:bodyPr vert="horz" wrap="square" lIns="91440" tIns="36000" rIns="91440" bIns="45720" numCol="1" anchor="t" anchorCtr="0" compatLnSpc="1">
+            <a:prstTxWarp prst="textNoShape">
+              <a:avLst/>
+            </a:prstTxWarp>
+          </a:bodyPr>
+          <a:lstStyle>
+            <a:lvl1pPr marL="142875" indent="-142875" algn="l" rtl="0" fontAlgn="base">
+              <a:spcBef>
+                <a:spcPts val="600"/>
+              </a:spcBef>
+              <a:spcAft>
+                <a:spcPts val="600"/>
+              </a:spcAft>
+              <a:buFont typeface="Wingdings" panose="05000000000000000000" pitchFamily="2" charset="2"/>
+              <a:buChar char="§"/>
+              <a:defRPr sz="1600" kern="1200">
+                <a:solidFill>
+                  <a:schemeClr val="tx1"/>
+                </a:solidFill>
+                <a:latin typeface="+mn-lt"/>
+                <a:ea typeface="+mn-ea"/>
+                <a:cs typeface="+mn-cs"/>
+              </a:defRPr>
+            </a:lvl1pPr>
+            <a:lvl2pPr marL="287338" indent="-142875" algn="l" rtl="0" fontAlgn="base">
+              <a:spcBef>
+                <a:spcPts val="600"/>
+              </a:spcBef>
+              <a:spcAft>
+                <a:spcPts val="600"/>
+              </a:spcAft>
+              <a:buFont typeface="Wingdings" panose="05000000000000000000" pitchFamily="2" charset="2"/>
+              <a:buChar char="§"/>
+              <a:defRPr sz="1600" kern="1200">
+                <a:solidFill>
+                  <a:schemeClr val="tx1"/>
+                </a:solidFill>
+                <a:latin typeface="+mn-lt"/>
+                <a:ea typeface="+mn-ea"/>
+                <a:cs typeface="+mn-cs"/>
+              </a:defRPr>
+            </a:lvl2pPr>
+            <a:lvl3pPr marL="431800" indent="-142875" algn="l" rtl="0" fontAlgn="base">
+              <a:spcBef>
+                <a:spcPts val="600"/>
+              </a:spcBef>
+              <a:spcAft>
+                <a:spcPts val="600"/>
+              </a:spcAft>
+              <a:buFont typeface="Wingdings" panose="05000000000000000000" pitchFamily="2" charset="2"/>
+              <a:buChar char="§"/>
+              <a:defRPr sz="1400" kern="1200">
+                <a:solidFill>
+                  <a:schemeClr val="tx1"/>
+                </a:solidFill>
+                <a:latin typeface="+mn-lt"/>
+                <a:ea typeface="+mn-ea"/>
+                <a:cs typeface="+mn-cs"/>
+              </a:defRPr>
+            </a:lvl3pPr>
+            <a:lvl4pPr marL="574675" indent="-142875" algn="l" rtl="0" fontAlgn="base">
+              <a:spcBef>
+                <a:spcPts val="600"/>
+              </a:spcBef>
+              <a:spcAft>
+                <a:spcPts val="600"/>
+              </a:spcAft>
+              <a:buFont typeface="Wingdings" panose="05000000000000000000" pitchFamily="2" charset="2"/>
+              <a:buChar char="§"/>
+              <a:defRPr sz="1400" kern="1200">
+                <a:solidFill>
+                  <a:schemeClr val="tx1"/>
+                </a:solidFill>
+                <a:latin typeface="+mn-lt"/>
+                <a:ea typeface="+mn-ea"/>
+                <a:cs typeface="+mn-cs"/>
+              </a:defRPr>
+            </a:lvl4pPr>
+            <a:lvl5pPr marL="719138" indent="-142875" algn="l" rtl="0" fontAlgn="base">
+              <a:spcBef>
+                <a:spcPts val="600"/>
+              </a:spcBef>
+              <a:spcAft>
+                <a:spcPts val="600"/>
+              </a:spcAft>
+              <a:buFont typeface="Wingdings" panose="05000000000000000000" pitchFamily="2" charset="2"/>
+              <a:buChar char="§"/>
+              <a:defRPr sz="1400" kern="1200">
+                <a:solidFill>
+                  <a:schemeClr val="tx1"/>
+                </a:solidFill>
+                <a:latin typeface="+mn-lt"/>
+                <a:ea typeface="+mn-ea"/>
+                <a:cs typeface="+mn-cs"/>
+              </a:defRPr>
+            </a:lvl5pPr>
+            <a:lvl6pPr marL="2514600" indent="-228600" algn="l" defTabSz="914400" rtl="0" eaLnBrk="1" latinLnBrk="0" hangingPunct="1">
+              <a:spcBef>
+                <a:spcPct val="20000"/>
+              </a:spcBef>
+              <a:buFont typeface="Arial" panose="020B0604020202020204" pitchFamily="34" charset="0"/>
+              <a:buChar char="•"/>
+              <a:defRPr sz="2000" kern="1200">
+                <a:solidFill>
+                  <a:schemeClr val="tx1"/>
+                </a:solidFill>
+                <a:latin typeface="+mn-lt"/>
+                <a:ea typeface="+mn-ea"/>
+                <a:cs typeface="+mn-cs"/>
+              </a:defRPr>
+            </a:lvl6pPr>
+            <a:lvl7pPr marL="2971800" indent="-228600" algn="l" defTabSz="914400" rtl="0" eaLnBrk="1" latinLnBrk="0" hangingPunct="1">
+              <a:spcBef>
+                <a:spcPct val="20000"/>
+              </a:spcBef>
+              <a:buFont typeface="Arial" panose="020B0604020202020204" pitchFamily="34" charset="0"/>
+              <a:buChar char="•"/>
+              <a:defRPr sz="2000" kern="1200">
+                <a:solidFill>
+                  <a:schemeClr val="tx1"/>
+                </a:solidFill>
+                <a:latin typeface="+mn-lt"/>
+                <a:ea typeface="+mn-ea"/>
+                <a:cs typeface="+mn-cs"/>
+              </a:defRPr>
+            </a:lvl7pPr>
+            <a:lvl8pPr marL="3429000" indent="-228600" algn="l" defTabSz="914400" rtl="0" eaLnBrk="1" latinLnBrk="0" hangingPunct="1">
+              <a:spcBef>
+                <a:spcPct val="20000"/>
+              </a:spcBef>
+              <a:buFont typeface="Arial" panose="020B0604020202020204" pitchFamily="34" charset="0"/>
+              <a:buChar char="•"/>
+              <a:defRPr sz="2000" kern="1200">
+                <a:solidFill>
+                  <a:schemeClr val="tx1"/>
+                </a:solidFill>
+                <a:latin typeface="+mn-lt"/>
+                <a:ea typeface="+mn-ea"/>
+                <a:cs typeface="+mn-cs"/>
+              </a:defRPr>
+            </a:lvl8pPr>
+            <a:lvl9pPr marL="3886200" indent="-228600" algn="l" defTabSz="914400" rtl="0" eaLnBrk="1" latinLnBrk="0" hangingPunct="1">
+              <a:spcBef>
+                <a:spcPct val="20000"/>
+              </a:spcBef>
+              <a:buFont typeface="Arial" panose="020B0604020202020204" pitchFamily="34" charset="0"/>
+              <a:buChar char="•"/>
+              <a:defRPr sz="2000" kern="1200">
+                <a:solidFill>
+                  <a:schemeClr val="tx1"/>
+                </a:solidFill>
+                <a:latin typeface="+mn-lt"/>
+                <a:ea typeface="+mn-ea"/>
+                <a:cs typeface="+mn-cs"/>
+              </a:defRPr>
+            </a:lvl9pPr>
+          </a:lstStyle>
+          <a:p>
+            <a:r>
+              <a:rPr lang="de-DE" dirty="0"/>
+              <a:t>Navigation</a:t>
+            </a:r>
+          </a:p>
+          <a:p>
+            <a:r>
+              <a:rPr lang="de-DE" dirty="0"/>
+              <a:t>Browser</a:t>
+            </a:r>
+          </a:p>
+          <a:p>
+            <a:r>
+              <a:rPr lang="de-DE" dirty="0"/>
+              <a:t>Kalender</a:t>
+            </a:r>
+          </a:p>
+          <a:p>
+            <a:endParaRPr lang="de-DE" dirty="0"/>
+          </a:p>
+        </p:txBody>
+      </p:sp>
+      <p:sp>
+        <p:nvSpPr>
+          <p:cNvPr id="7" name="Titel 1">
+            <a:extLst>
+              <a:ext uri="{FF2B5EF4-FFF2-40B4-BE49-F238E27FC236}">
+                <a16:creationId xmlns:a16="http://schemas.microsoft.com/office/drawing/2014/main" id="{85102D17-2DC2-4B05-B97C-17A42DB4C5A6}"/>
+              </a:ext>
+            </a:extLst>
+          </p:cNvPr>
+          <p:cNvSpPr txBox="1">
+            <a:spLocks/>
+          </p:cNvSpPr>
+          <p:nvPr/>
+        </p:nvSpPr>
+        <p:spPr bwMode="auto">
+          <a:xfrm>
+            <a:off x="900113" y="1320246"/>
+            <a:ext cx="6719887" cy="1027112"/>
+          </a:xfrm>
+          <a:prstGeom prst="rect">
+            <a:avLst/>
+          </a:prstGeom>
+          <a:noFill/>
+          <a:ln>
+            <a:noFill/>
+          </a:ln>
+          <a:extLst>
+            <a:ext uri="{909E8E84-426E-40DD-AFC4-6F175D3DCCD1}">
+              <a14:hiddenFill xmlns:a14="http://schemas.microsoft.com/office/drawing/2010/main">
+                <a:solidFill>
+                  <a:srgbClr val="FFFFFF"/>
+                </a:solidFill>
+              </a14:hiddenFill>
+            </a:ext>
+            <a:ext uri="{91240B29-F687-4F45-9708-019B960494DF}">
+              <a14:hiddenLine xmlns:a14="http://schemas.microsoft.com/office/drawing/2010/main" w="9525">
+                <a:solidFill>
+                  <a:srgbClr val="000000"/>
+                </a:solidFill>
+                <a:miter lim="800000"/>
+                <a:headEnd/>
+                <a:tailEnd/>
+              </a14:hiddenLine>
+            </a:ext>
+          </a:extLst>
+        </p:spPr>
+        <p:txBody>
+          <a:bodyPr vert="horz" wrap="square" lIns="91440" tIns="46800" rIns="91440" bIns="54000" numCol="1" anchor="b" anchorCtr="0" compatLnSpc="1">
+            <a:prstTxWarp prst="textNoShape">
+              <a:avLst/>
+            </a:prstTxWarp>
+          </a:bodyPr>
+          <a:lstStyle>
+            <a:lvl1pPr algn="l" rtl="0" fontAlgn="base">
+              <a:lnSpc>
+                <a:spcPts val="3100"/>
+              </a:lnSpc>
+              <a:spcBef>
+                <a:spcPct val="0"/>
+              </a:spcBef>
+              <a:spcAft>
+                <a:spcPct val="0"/>
+              </a:spcAft>
+              <a:defRPr sz="2800" b="1" kern="1200">
+                <a:solidFill>
+                  <a:srgbClr val="28B4DC"/>
+                </a:solidFill>
+                <a:latin typeface="+mj-lt"/>
+                <a:ea typeface="+mj-ea"/>
+                <a:cs typeface="+mj-cs"/>
+              </a:defRPr>
+            </a:lvl1pPr>
+            <a:lvl2pPr algn="l" rtl="0" fontAlgn="base">
+              <a:lnSpc>
+                <a:spcPts val="3100"/>
+              </a:lnSpc>
+              <a:spcBef>
+                <a:spcPct val="0"/>
+              </a:spcBef>
+              <a:spcAft>
+                <a:spcPct val="0"/>
+              </a:spcAft>
+              <a:defRPr sz="2800" b="1">
+                <a:solidFill>
+                  <a:srgbClr val="28B4DC"/>
+                </a:solidFill>
+                <a:latin typeface="Arial" panose="020B0604020202020204" pitchFamily="34" charset="0"/>
+              </a:defRPr>
+            </a:lvl2pPr>
+            <a:lvl3pPr algn="l" rtl="0" fontAlgn="base">
+              <a:lnSpc>
+                <a:spcPts val="3100"/>
+              </a:lnSpc>
+              <a:spcBef>
+                <a:spcPct val="0"/>
+              </a:spcBef>
+              <a:spcAft>
+                <a:spcPct val="0"/>
+              </a:spcAft>
+              <a:defRPr sz="2800" b="1">
+                <a:solidFill>
+                  <a:srgbClr val="28B4DC"/>
+                </a:solidFill>
+                <a:latin typeface="Arial" panose="020B0604020202020204" pitchFamily="34" charset="0"/>
+              </a:defRPr>
+            </a:lvl3pPr>
+            <a:lvl4pPr algn="l" rtl="0" fontAlgn="base">
+              <a:lnSpc>
+                <a:spcPts val="3100"/>
+              </a:lnSpc>
+              <a:spcBef>
+                <a:spcPct val="0"/>
+              </a:spcBef>
+              <a:spcAft>
+                <a:spcPct val="0"/>
+              </a:spcAft>
+              <a:defRPr sz="2800" b="1">
+                <a:solidFill>
+                  <a:srgbClr val="28B4DC"/>
+                </a:solidFill>
+                <a:latin typeface="Arial" panose="020B0604020202020204" pitchFamily="34" charset="0"/>
+              </a:defRPr>
+            </a:lvl4pPr>
+            <a:lvl5pPr algn="l" rtl="0" fontAlgn="base">
+              <a:lnSpc>
+                <a:spcPts val="3100"/>
+              </a:lnSpc>
+              <a:spcBef>
+                <a:spcPct val="0"/>
+              </a:spcBef>
+              <a:spcAft>
+                <a:spcPct val="0"/>
+              </a:spcAft>
+              <a:defRPr sz="2800" b="1">
+                <a:solidFill>
+                  <a:srgbClr val="28B4DC"/>
+                </a:solidFill>
+                <a:latin typeface="Arial" panose="020B0604020202020204" pitchFamily="34" charset="0"/>
+              </a:defRPr>
+            </a:lvl5pPr>
+            <a:lvl6pPr marL="457200" algn="l" rtl="0" fontAlgn="base">
+              <a:lnSpc>
+                <a:spcPts val="3100"/>
+              </a:lnSpc>
+              <a:spcBef>
+                <a:spcPct val="0"/>
+              </a:spcBef>
+              <a:spcAft>
+                <a:spcPct val="0"/>
+              </a:spcAft>
+              <a:defRPr sz="2800" b="1">
+                <a:solidFill>
+                  <a:srgbClr val="28B4DC"/>
+                </a:solidFill>
+                <a:latin typeface="Arial" panose="020B0604020202020204" pitchFamily="34" charset="0"/>
+              </a:defRPr>
+            </a:lvl6pPr>
+            <a:lvl7pPr marL="914400" algn="l" rtl="0" fontAlgn="base">
+              <a:lnSpc>
+                <a:spcPts val="3100"/>
+              </a:lnSpc>
+              <a:spcBef>
+                <a:spcPct val="0"/>
+              </a:spcBef>
+              <a:spcAft>
+                <a:spcPct val="0"/>
+              </a:spcAft>
+              <a:defRPr sz="2800" b="1">
+                <a:solidFill>
+                  <a:srgbClr val="28B4DC"/>
+                </a:solidFill>
+                <a:latin typeface="Arial" panose="020B0604020202020204" pitchFamily="34" charset="0"/>
+              </a:defRPr>
+            </a:lvl7pPr>
+            <a:lvl8pPr marL="1371600" algn="l" rtl="0" fontAlgn="base">
+              <a:lnSpc>
+                <a:spcPts val="3100"/>
+              </a:lnSpc>
+              <a:spcBef>
+                <a:spcPct val="0"/>
+              </a:spcBef>
+              <a:spcAft>
+                <a:spcPct val="0"/>
+              </a:spcAft>
+              <a:defRPr sz="2800" b="1">
+                <a:solidFill>
+                  <a:srgbClr val="28B4DC"/>
+                </a:solidFill>
+                <a:latin typeface="Arial" panose="020B0604020202020204" pitchFamily="34" charset="0"/>
+              </a:defRPr>
+            </a:lvl8pPr>
+            <a:lvl9pPr marL="1828800" algn="l" rtl="0" fontAlgn="base">
+              <a:lnSpc>
+                <a:spcPts val="3100"/>
+              </a:lnSpc>
+              <a:spcBef>
+                <a:spcPct val="0"/>
+              </a:spcBef>
+              <a:spcAft>
+                <a:spcPct val="0"/>
+              </a:spcAft>
+              <a:defRPr sz="2800" b="1">
+                <a:solidFill>
+                  <a:srgbClr val="28B4DC"/>
+                </a:solidFill>
+                <a:latin typeface="Arial" panose="020B0604020202020204" pitchFamily="34" charset="0"/>
+              </a:defRPr>
+            </a:lvl9pPr>
+          </a:lstStyle>
+          <a:p>
+            <a:r>
+              <a:rPr lang="de-DE" dirty="0"/>
+              <a:t>Infotainment</a:t>
+            </a:r>
+          </a:p>
+        </p:txBody>
+      </p:sp>
+    </p:spTree>
+    <p:extLst>
+      <p:ext uri="{BB962C8B-B14F-4D97-AF65-F5344CB8AC3E}">
+        <p14:creationId xmlns:p14="http://schemas.microsoft.com/office/powerpoint/2010/main" val="1630218443"/>
+      </p:ext>
+    </p:extLst>
+  </p:cSld>
+  <p:clrMapOvr>
+    <a:masterClrMapping/>
+  </p:clrMapOvr>
+</p:sld>
+</file>
+
+<file path=ppt/slides/slide5.xml><?xml version="1.0" encoding="utf-8"?>
+<p:sld xmlns:a="http://schemas.openxmlformats.org/drawingml/2006/main" xmlns:r="http://schemas.openxmlformats.org/officeDocument/2006/relationships" xmlns:p="http://schemas.openxmlformats.org/presentationml/2006/main">
+  <p:cSld>
+    <p:spTree>
+      <p:nvGrpSpPr>
+        <p:cNvPr id="1" name=""/>
+        <p:cNvGrpSpPr/>
+        <p:nvPr/>
+      </p:nvGrpSpPr>
+      <p:grpSpPr>
+        <a:xfrm>
+          <a:off x="0" y="0"/>
+          <a:ext cx="0" cy="0"/>
+          <a:chOff x="0" y="0"/>
+          <a:chExt cx="0" cy="0"/>
+        </a:xfrm>
+      </p:grpSpPr>
+      <p:sp>
+        <p:nvSpPr>
+          <p:cNvPr id="5" name="Titel 4">
+            <a:extLst>
+              <a:ext uri="{FF2B5EF4-FFF2-40B4-BE49-F238E27FC236}">
+                <a16:creationId xmlns:a16="http://schemas.microsoft.com/office/drawing/2014/main" id="{96BB8C9A-7B40-4673-94FA-3CBB266D36E2}"/>
               </a:ext>
             </a:extLst>
           </p:cNvPr>
@@ -2964,17 +4422,82 @@
           <a:p>
             <a:r>
               <a:rPr lang="de-DE" dirty="0"/>
-              <a:t>Zusatzfeatures</a:t>
+              <a:t>Konzepte</a:t>
             </a:r>
           </a:p>
         </p:txBody>
       </p:sp>
+      <p:pic>
+        <p:nvPicPr>
+          <p:cNvPr id="7" name="Inhaltsplatzhalter 6" descr="Ein Bild, das Text, Karte enthält.&#10;&#10;Automatisch generierte Beschreibung">
+            <a:extLst>
+              <a:ext uri="{FF2B5EF4-FFF2-40B4-BE49-F238E27FC236}">
+                <a16:creationId xmlns:a16="http://schemas.microsoft.com/office/drawing/2014/main" id="{94F9C4F2-BBD5-46AB-B90B-3F85B15B99D1}"/>
+              </a:ext>
+            </a:extLst>
+          </p:cNvPr>
+          <p:cNvPicPr>
+            <a:picLocks noGrp="1" noChangeAspect="1"/>
+          </p:cNvPicPr>
+          <p:nvPr>
+            <p:ph idx="1"/>
+          </p:nvPr>
+        </p:nvPicPr>
+        <p:blipFill>
+          <a:blip r:embed="rId2">
+            <a:extLst>
+              <a:ext uri="{28A0092B-C50C-407E-A947-70E740481C1C}">
+                <a14:useLocalDpi xmlns:a14="http://schemas.microsoft.com/office/drawing/2010/main" val="0"/>
+              </a:ext>
+            </a:extLst>
+          </a:blip>
+          <a:stretch>
+            <a:fillRect/>
+          </a:stretch>
+        </p:blipFill>
+        <p:spPr>
+          <a:xfrm>
+            <a:off x="1163081" y="2509838"/>
+            <a:ext cx="6220939" cy="3616325"/>
+          </a:xfrm>
+        </p:spPr>
+      </p:pic>
+    </p:spTree>
+    <p:extLst>
+      <p:ext uri="{BB962C8B-B14F-4D97-AF65-F5344CB8AC3E}">
+        <p14:creationId xmlns:p14="http://schemas.microsoft.com/office/powerpoint/2010/main" val="3907277318"/>
+      </p:ext>
+    </p:extLst>
+  </p:cSld>
+  <p:clrMapOvr>
+    <a:masterClrMapping/>
+  </p:clrMapOvr>
+</p:sld>
+</file>
+
+<file path=ppt/slides/slide6.xml><?xml version="1.0" encoding="utf-8"?>
+<p:sld xmlns:a="http://schemas.openxmlformats.org/drawingml/2006/main" xmlns:r="http://schemas.openxmlformats.org/officeDocument/2006/relationships" xmlns:p="http://schemas.openxmlformats.org/presentationml/2006/main">
+  <p:cSld>
+    <p:spTree>
+      <p:nvGrpSpPr>
+        <p:cNvPr id="1" name=""/>
+        <p:cNvGrpSpPr/>
+        <p:nvPr/>
+      </p:nvGrpSpPr>
+      <p:grpSpPr>
+        <a:xfrm>
+          <a:off x="0" y="0"/>
+          <a:ext cx="0" cy="0"/>
+          <a:chOff x="0" y="0"/>
+          <a:chExt cx="0" cy="0"/>
+        </a:xfrm>
+      </p:grpSpPr>
       <p:sp>
         <p:nvSpPr>
-          <p:cNvPr id="5" name="Inhaltsplatzhalter 4">
+          <p:cNvPr id="5" name="Titel 4">
             <a:extLst>
               <a:ext uri="{FF2B5EF4-FFF2-40B4-BE49-F238E27FC236}">
-                <a16:creationId xmlns:a16="http://schemas.microsoft.com/office/drawing/2014/main" id="{56FA9CF3-15A4-400C-AE2E-22481D885558}"/>
+                <a16:creationId xmlns:a16="http://schemas.microsoft.com/office/drawing/2014/main" id="{96BB8C9A-7B40-4673-94FA-3CBB266D36E2}"/>
               </a:ext>
             </a:extLst>
           </p:cNvPr>
@@ -2982,7 +4505,7 @@
             <a:spLocks noGrp="1"/>
           </p:cNvSpPr>
           <p:nvPr>
-            <p:ph idx="1"/>
+            <p:ph type="title"/>
           </p:nvPr>
         </p:nvSpPr>
         <p:spPr/>
@@ -2990,14 +4513,215 @@
           <a:bodyPr/>
           <a:lstStyle/>
           <a:p>
-            <a:endParaRPr lang="de-DE"/>
+            <a:r>
+              <a:rPr lang="de-DE" dirty="0"/>
+              <a:t>Konzepte</a:t>
+            </a:r>
           </a:p>
         </p:txBody>
       </p:sp>
+      <p:pic>
+        <p:nvPicPr>
+          <p:cNvPr id="7" name="Inhaltsplatzhalter 6">
+            <a:extLst>
+              <a:ext uri="{FF2B5EF4-FFF2-40B4-BE49-F238E27FC236}">
+                <a16:creationId xmlns:a16="http://schemas.microsoft.com/office/drawing/2014/main" id="{D9AC6647-B007-4A5B-BB59-AB3715481A43}"/>
+              </a:ext>
+            </a:extLst>
+          </p:cNvPr>
+          <p:cNvPicPr>
+            <a:picLocks noGrp="1" noChangeAspect="1"/>
+          </p:cNvPicPr>
+          <p:nvPr>
+            <p:ph idx="1"/>
+          </p:nvPr>
+        </p:nvPicPr>
+        <p:blipFill>
+          <a:blip r:embed="rId2">
+            <a:extLst>
+              <a:ext uri="{28A0092B-C50C-407E-A947-70E740481C1C}">
+                <a14:useLocalDpi xmlns:a14="http://schemas.microsoft.com/office/drawing/2010/main" val="0"/>
+              </a:ext>
+            </a:extLst>
+          </a:blip>
+          <a:stretch>
+            <a:fillRect/>
+          </a:stretch>
+        </p:blipFill>
+        <p:spPr>
+          <a:xfrm>
+            <a:off x="1547851" y="2509838"/>
+            <a:ext cx="1973186" cy="3616325"/>
+          </a:xfrm>
+        </p:spPr>
+      </p:pic>
+      <p:pic>
+        <p:nvPicPr>
+          <p:cNvPr id="9" name="Inhaltsplatzhalter 8" descr="Ein Bild, das Screenshot enthält.&#10;&#10;Automatisch generierte Beschreibung">
+            <a:extLst>
+              <a:ext uri="{FF2B5EF4-FFF2-40B4-BE49-F238E27FC236}">
+                <a16:creationId xmlns:a16="http://schemas.microsoft.com/office/drawing/2014/main" id="{DA605229-01EC-4962-BB41-557C0B5D2FA4}"/>
+              </a:ext>
+            </a:extLst>
+          </p:cNvPr>
+          <p:cNvPicPr>
+            <a:picLocks noGrp="1" noChangeAspect="1"/>
+          </p:cNvPicPr>
+          <p:nvPr>
+            <p:ph idx="15"/>
+          </p:nvPr>
+        </p:nvPicPr>
+        <p:blipFill>
+          <a:blip r:embed="rId3">
+            <a:extLst>
+              <a:ext uri="{28A0092B-C50C-407E-A947-70E740481C1C}">
+                <a14:useLocalDpi xmlns:a14="http://schemas.microsoft.com/office/drawing/2010/main" val="0"/>
+              </a:ext>
+            </a:extLst>
+          </a:blip>
+          <a:stretch>
+            <a:fillRect/>
+          </a:stretch>
+        </p:blipFill>
+        <p:spPr>
+          <a:xfrm>
+            <a:off x="5026063" y="2509838"/>
+            <a:ext cx="1973186" cy="3616325"/>
+          </a:xfrm>
+        </p:spPr>
+      </p:pic>
     </p:spTree>
     <p:extLst>
       <p:ext uri="{BB962C8B-B14F-4D97-AF65-F5344CB8AC3E}">
-        <p14:creationId xmlns:p14="http://schemas.microsoft.com/office/powerpoint/2010/main" val="3298788032"/>
+        <p14:creationId xmlns:p14="http://schemas.microsoft.com/office/powerpoint/2010/main" val="899884754"/>
+      </p:ext>
+    </p:extLst>
+  </p:cSld>
+  <p:clrMapOvr>
+    <a:masterClrMapping/>
+  </p:clrMapOvr>
+</p:sld>
+</file>
+
+<file path=ppt/slides/slide7.xml><?xml version="1.0" encoding="utf-8"?>
+<p:sld xmlns:a="http://schemas.openxmlformats.org/drawingml/2006/main" xmlns:r="http://schemas.openxmlformats.org/officeDocument/2006/relationships" xmlns:p="http://schemas.openxmlformats.org/presentationml/2006/main">
+  <p:cSld>
+    <p:spTree>
+      <p:nvGrpSpPr>
+        <p:cNvPr id="1" name=""/>
+        <p:cNvGrpSpPr/>
+        <p:nvPr/>
+      </p:nvGrpSpPr>
+      <p:grpSpPr>
+        <a:xfrm>
+          <a:off x="0" y="0"/>
+          <a:ext cx="0" cy="0"/>
+          <a:chOff x="0" y="0"/>
+          <a:chExt cx="0" cy="0"/>
+        </a:xfrm>
+      </p:grpSpPr>
+      <p:sp>
+        <p:nvSpPr>
+          <p:cNvPr id="5" name="Titel 4">
+            <a:extLst>
+              <a:ext uri="{FF2B5EF4-FFF2-40B4-BE49-F238E27FC236}">
+                <a16:creationId xmlns:a16="http://schemas.microsoft.com/office/drawing/2014/main" id="{96BB8C9A-7B40-4673-94FA-3CBB266D36E2}"/>
+              </a:ext>
+            </a:extLst>
+          </p:cNvPr>
+          <p:cNvSpPr>
+            <a:spLocks noGrp="1"/>
+          </p:cNvSpPr>
+          <p:nvPr>
+            <p:ph type="title"/>
+          </p:nvPr>
+        </p:nvSpPr>
+        <p:spPr/>
+        <p:txBody>
+          <a:bodyPr/>
+          <a:lstStyle/>
+          <a:p>
+            <a:r>
+              <a:rPr lang="de-DE" dirty="0"/>
+              <a:t>Konzepte</a:t>
+            </a:r>
+          </a:p>
+        </p:txBody>
+      </p:sp>
+      <p:pic>
+        <p:nvPicPr>
+          <p:cNvPr id="7" name="Inhaltsplatzhalter 6" descr="Ein Bild, das Text, Karte enthält.&#10;&#10;Automatisch generierte Beschreibung">
+            <a:extLst>
+              <a:ext uri="{FF2B5EF4-FFF2-40B4-BE49-F238E27FC236}">
+                <a16:creationId xmlns:a16="http://schemas.microsoft.com/office/drawing/2014/main" id="{01001512-B42C-47B9-80A7-261FD712D038}"/>
+              </a:ext>
+            </a:extLst>
+          </p:cNvPr>
+          <p:cNvPicPr>
+            <a:picLocks noGrp="1" noChangeAspect="1"/>
+          </p:cNvPicPr>
+          <p:nvPr>
+            <p:ph idx="1"/>
+          </p:nvPr>
+        </p:nvPicPr>
+        <p:blipFill>
+          <a:blip r:embed="rId2">
+            <a:extLst>
+              <a:ext uri="{28A0092B-C50C-407E-A947-70E740481C1C}">
+                <a14:useLocalDpi xmlns:a14="http://schemas.microsoft.com/office/drawing/2010/main" val="0"/>
+              </a:ext>
+            </a:extLst>
+          </a:blip>
+          <a:stretch>
+            <a:fillRect/>
+          </a:stretch>
+        </p:blipFill>
+        <p:spPr>
+          <a:xfrm>
+            <a:off x="1547851" y="2509838"/>
+            <a:ext cx="1973186" cy="3616325"/>
+          </a:xfrm>
+        </p:spPr>
+      </p:pic>
+      <p:pic>
+        <p:nvPicPr>
+          <p:cNvPr id="9" name="Inhaltsplatzhalter 8" descr="Ein Bild, das schwarz, Elektronik, Licht, Straße enthält.&#10;&#10;Automatisch generierte Beschreibung">
+            <a:extLst>
+              <a:ext uri="{FF2B5EF4-FFF2-40B4-BE49-F238E27FC236}">
+                <a16:creationId xmlns:a16="http://schemas.microsoft.com/office/drawing/2014/main" id="{C90099FC-5D9C-4240-8E95-540DA623AE09}"/>
+              </a:ext>
+            </a:extLst>
+          </p:cNvPr>
+          <p:cNvPicPr>
+            <a:picLocks noGrp="1" noChangeAspect="1"/>
+          </p:cNvPicPr>
+          <p:nvPr>
+            <p:ph idx="15"/>
+          </p:nvPr>
+        </p:nvPicPr>
+        <p:blipFill>
+          <a:blip r:embed="rId3">
+            <a:extLst>
+              <a:ext uri="{28A0092B-C50C-407E-A947-70E740481C1C}">
+                <a14:useLocalDpi xmlns:a14="http://schemas.microsoft.com/office/drawing/2010/main" val="0"/>
+              </a:ext>
+            </a:extLst>
+          </a:blip>
+          <a:stretch>
+            <a:fillRect/>
+          </a:stretch>
+        </p:blipFill>
+        <p:spPr>
+          <a:xfrm>
+            <a:off x="5026063" y="2509838"/>
+            <a:ext cx="1973186" cy="3616325"/>
+          </a:xfrm>
+        </p:spPr>
+      </p:pic>
+    </p:spTree>
+    <p:extLst>
+      <p:ext uri="{BB962C8B-B14F-4D97-AF65-F5344CB8AC3E}">
+        <p14:creationId xmlns:p14="http://schemas.microsoft.com/office/powerpoint/2010/main" val="174164555"/>
       </p:ext>
     </p:extLst>
   </p:cSld>
